--- a/pslides/02_ml.pptx
+++ b/pslides/02_ml.pptx
@@ -279,7 +279,7 @@
           <a:p>
             <a:fld id="{7B9169B0-A344-9A43-AAD5-682508993835}" type="datetimeFigureOut">
               <a:rPr lang="fr-FR" smtClean="0"/>
-              <a:t>01/01/2022</a:t>
+              <a:t>30/12/2022</a:t>
             </a:fld>
             <a:endParaRPr lang="fr-FR"/>
           </a:p>
@@ -477,7 +477,7 @@
           <a:p>
             <a:fld id="{7B9169B0-A344-9A43-AAD5-682508993835}" type="datetimeFigureOut">
               <a:rPr lang="fr-FR" smtClean="0"/>
-              <a:t>01/01/2022</a:t>
+              <a:t>30/12/2022</a:t>
             </a:fld>
             <a:endParaRPr lang="fr-FR"/>
           </a:p>
@@ -685,7 +685,7 @@
           <a:p>
             <a:fld id="{7B9169B0-A344-9A43-AAD5-682508993835}" type="datetimeFigureOut">
               <a:rPr lang="fr-FR" smtClean="0"/>
-              <a:t>01/01/2022</a:t>
+              <a:t>30/12/2022</a:t>
             </a:fld>
             <a:endParaRPr lang="fr-FR"/>
           </a:p>
@@ -883,7 +883,7 @@
           <a:p>
             <a:fld id="{7B9169B0-A344-9A43-AAD5-682508993835}" type="datetimeFigureOut">
               <a:rPr lang="fr-FR" smtClean="0"/>
-              <a:t>01/01/2022</a:t>
+              <a:t>30/12/2022</a:t>
             </a:fld>
             <a:endParaRPr lang="fr-FR"/>
           </a:p>
@@ -1158,7 +1158,7 @@
           <a:p>
             <a:fld id="{7B9169B0-A344-9A43-AAD5-682508993835}" type="datetimeFigureOut">
               <a:rPr lang="fr-FR" smtClean="0"/>
-              <a:t>01/01/2022</a:t>
+              <a:t>30/12/2022</a:t>
             </a:fld>
             <a:endParaRPr lang="fr-FR"/>
           </a:p>
@@ -1423,7 +1423,7 @@
           <a:p>
             <a:fld id="{7B9169B0-A344-9A43-AAD5-682508993835}" type="datetimeFigureOut">
               <a:rPr lang="fr-FR" smtClean="0"/>
-              <a:t>01/01/2022</a:t>
+              <a:t>30/12/2022</a:t>
             </a:fld>
             <a:endParaRPr lang="fr-FR"/>
           </a:p>
@@ -1835,7 +1835,7 @@
           <a:p>
             <a:fld id="{7B9169B0-A344-9A43-AAD5-682508993835}" type="datetimeFigureOut">
               <a:rPr lang="fr-FR" smtClean="0"/>
-              <a:t>01/01/2022</a:t>
+              <a:t>30/12/2022</a:t>
             </a:fld>
             <a:endParaRPr lang="fr-FR"/>
           </a:p>
@@ -1976,7 +1976,7 @@
           <a:p>
             <a:fld id="{7B9169B0-A344-9A43-AAD5-682508993835}" type="datetimeFigureOut">
               <a:rPr lang="fr-FR" smtClean="0"/>
-              <a:t>01/01/2022</a:t>
+              <a:t>30/12/2022</a:t>
             </a:fld>
             <a:endParaRPr lang="fr-FR"/>
           </a:p>
@@ -2089,7 +2089,7 @@
           <a:p>
             <a:fld id="{7B9169B0-A344-9A43-AAD5-682508993835}" type="datetimeFigureOut">
               <a:rPr lang="fr-FR" smtClean="0"/>
-              <a:t>01/01/2022</a:t>
+              <a:t>30/12/2022</a:t>
             </a:fld>
             <a:endParaRPr lang="fr-FR"/>
           </a:p>
@@ -2400,7 +2400,7 @@
           <a:p>
             <a:fld id="{7B9169B0-A344-9A43-AAD5-682508993835}" type="datetimeFigureOut">
               <a:rPr lang="fr-FR" smtClean="0"/>
-              <a:t>01/01/2022</a:t>
+              <a:t>30/12/2022</a:t>
             </a:fld>
             <a:endParaRPr lang="fr-FR"/>
           </a:p>
@@ -2688,7 +2688,7 @@
           <a:p>
             <a:fld id="{7B9169B0-A344-9A43-AAD5-682508993835}" type="datetimeFigureOut">
               <a:rPr lang="fr-FR" smtClean="0"/>
-              <a:t>01/01/2022</a:t>
+              <a:t>30/12/2022</a:t>
             </a:fld>
             <a:endParaRPr lang="fr-FR"/>
           </a:p>
@@ -2929,7 +2929,7 @@
           <a:p>
             <a:fld id="{7B9169B0-A344-9A43-AAD5-682508993835}" type="datetimeFigureOut">
               <a:rPr lang="fr-FR" smtClean="0"/>
-              <a:t>01/01/2022</a:t>
+              <a:t>30/12/2022</a:t>
             </a:fld>
             <a:endParaRPr lang="fr-FR"/>
           </a:p>
@@ -6217,8 +6217,8 @@
         </p:nvSpPr>
         <p:spPr>
           <a:xfrm>
-            <a:off x="7546976" y="951168"/>
-            <a:ext cx="3597196" cy="584775"/>
+            <a:off x="7555619" y="825144"/>
+            <a:ext cx="3597196" cy="830997"/>
           </a:xfrm>
           <a:prstGeom prst="rect">
             <a:avLst/>
@@ -6234,7 +6234,7 @@
             <a:pPr algn="ctr"/>
             <a:r>
               <a:rPr lang="en-IE" sz="1600" noProof="1"/>
-              <a:t> “1se” model; typically just as good but many fewer non-zero parameters </a:t>
+              <a:t> “1se” model; typically almost as good as best model, but many fewer non-zero parameters </a:t>
             </a:r>
           </a:p>
         </p:txBody>
@@ -11229,7 +11229,7 @@
           <a:p>
             <a:r>
               <a:rPr lang="fr-FR" sz="2000" noProof="1"/>
-              <a:t>In addition to being a good overall method for predictive modelling, the elastic net is also useful for identifying features that are most related to a specific respose.</a:t>
+              <a:t>In addition to being a good overall method for predictive modelling, the elastic net is also useful for identifying features that are most related to a specific response.</a:t>
             </a:r>
           </a:p>
           <a:p>
@@ -11238,7 +11238,7 @@
           <a:p>
             <a:r>
               <a:rPr lang="fr-FR" sz="2000" noProof="1"/>
-              <a:t>For example, this technique is often used in bioinformatics. For example, one might collect data about the genes of 50 patients who repond well to a theraputic treatement  and 50 patients who responded poorly. Then, we could use the elastic net method to predict treatement outcomes based on the tens of thousands of features from the genes. The genes that have non-zero parameters are those that might be responsible for whether the treatment works.</a:t>
+              <a:t>This technique is often used in bioinformatics, for example. One might collect data about the genes of 50 patients who repond well to a theraputic treatement  and 50 patients who responded poorly. Then, the elastic net method to predict treatement outcomes based on the tens of thousands of features from the genes. The genes that have non-zero parameters are those that might be responsible for whether the treatment works.</a:t>
             </a:r>
           </a:p>
           <a:p>
